--- a/02.需求分析/6.蓝图/蓝图权限部分.pptx
+++ b/02.需求分析/6.蓝图/蓝图权限部分.pptx
@@ -105,6 +105,11 @@
       </a:defRPr>
     </a:lvl9pPr>
   </p:defaultTextStyle>
+  <p:extLst>
+    <p:ext uri="{EFAFB233-063F-42B5-8137-9DF3F51BA10A}">
+      <p15:sldGuideLst xmlns:p15="http://schemas.microsoft.com/office/powerpoint/2012/main"/>
+    </p:ext>
+  </p:extLst>
 </p:presentation>
 </file>
 
@@ -3059,7 +3064,7 @@
         </p:nvSpPr>
         <p:spPr>
           <a:xfrm>
-            <a:off x="9439336" y="1011382"/>
+            <a:off x="9439336" y="1352204"/>
             <a:ext cx="1548704" cy="284018"/>
           </a:xfrm>
           <a:prstGeom prst="roundRect">
@@ -3086,10 +3091,10 @@
           <a:p>
             <a:pPr algn="ctr"/>
             <a:r>
-              <a:rPr kumimoji="1" lang="zh-CN" altLang="en-US" dirty="0" smtClean="0"/>
+              <a:rPr kumimoji="1" lang="zh-CN" altLang="en-US" sz="1200" dirty="0" smtClean="0"/>
               <a:t>组织</a:t>
             </a:r>
-            <a:endParaRPr kumimoji="1" lang="zh-CN" altLang="en-US" dirty="0"/>
+            <a:endParaRPr kumimoji="1" lang="zh-CN" altLang="en-US" sz="1200" dirty="0"/>
           </a:p>
         </p:txBody>
       </p:sp>
@@ -3777,8 +3782,8 @@
         </p:nvSpPr>
         <p:spPr>
           <a:xfrm>
-            <a:off x="9525000" y="1295401"/>
-            <a:ext cx="167640" cy="2784764"/>
+            <a:off x="9525000" y="1629295"/>
+            <a:ext cx="200878" cy="2450870"/>
           </a:xfrm>
           <a:prstGeom prst="upDownArrow">
             <a:avLst/>
@@ -5199,7 +5204,7 @@
         </p:nvSpPr>
         <p:spPr>
           <a:xfrm>
-            <a:off x="9780464" y="3616729"/>
+            <a:off x="10680291" y="2427318"/>
             <a:ext cx="864000" cy="284018"/>
           </a:xfrm>
           <a:prstGeom prst="roundRect">
@@ -5230,6 +5235,310 @@
               <a:t>政府人员</a:t>
             </a:r>
             <a:endParaRPr kumimoji="1" lang="zh-CN" altLang="en-US" sz="1200" dirty="0"/>
+          </a:p>
+        </p:txBody>
+      </p:sp>
+      <p:sp>
+        <p:nvSpPr>
+          <p:cNvPr id="59" name="上下箭头 58"/>
+          <p:cNvSpPr/>
+          <p:nvPr/>
+        </p:nvSpPr>
+        <p:spPr>
+          <a:xfrm>
+            <a:off x="2195372" y="2057400"/>
+            <a:ext cx="135512" cy="392084"/>
+          </a:xfrm>
+          <a:prstGeom prst="upDownArrow">
+            <a:avLst/>
+          </a:prstGeom>
+        </p:spPr>
+        <p:style>
+          <a:lnRef idx="1">
+            <a:schemeClr val="accent5"/>
+          </a:lnRef>
+          <a:fillRef idx="3">
+            <a:schemeClr val="accent5"/>
+          </a:fillRef>
+          <a:effectRef idx="2">
+            <a:schemeClr val="accent5"/>
+          </a:effectRef>
+          <a:fontRef idx="minor">
+            <a:schemeClr val="lt1"/>
+          </a:fontRef>
+        </p:style>
+        <p:txBody>
+          <a:bodyPr rtlCol="0" anchor="ctr"/>
+          <a:lstStyle/>
+          <a:p>
+            <a:pPr algn="ctr"/>
+            <a:endParaRPr kumimoji="1" lang="zh-CN" altLang="en-US"/>
+          </a:p>
+        </p:txBody>
+      </p:sp>
+      <p:sp>
+        <p:nvSpPr>
+          <p:cNvPr id="60" name="上下箭头 59"/>
+          <p:cNvSpPr/>
+          <p:nvPr/>
+        </p:nvSpPr>
+        <p:spPr>
+          <a:xfrm>
+            <a:off x="3152381" y="2057400"/>
+            <a:ext cx="135512" cy="392084"/>
+          </a:xfrm>
+          <a:prstGeom prst="upDownArrow">
+            <a:avLst/>
+          </a:prstGeom>
+        </p:spPr>
+        <p:style>
+          <a:lnRef idx="1">
+            <a:schemeClr val="accent5"/>
+          </a:lnRef>
+          <a:fillRef idx="3">
+            <a:schemeClr val="accent5"/>
+          </a:fillRef>
+          <a:effectRef idx="2">
+            <a:schemeClr val="accent5"/>
+          </a:effectRef>
+          <a:fontRef idx="minor">
+            <a:schemeClr val="lt1"/>
+          </a:fontRef>
+        </p:style>
+        <p:txBody>
+          <a:bodyPr rtlCol="0" anchor="ctr"/>
+          <a:lstStyle/>
+          <a:p>
+            <a:pPr algn="ctr"/>
+            <a:endParaRPr kumimoji="1" lang="zh-CN" altLang="en-US"/>
+          </a:p>
+        </p:txBody>
+      </p:sp>
+      <p:sp>
+        <p:nvSpPr>
+          <p:cNvPr id="61" name="上下箭头 60"/>
+          <p:cNvSpPr/>
+          <p:nvPr/>
+        </p:nvSpPr>
+        <p:spPr>
+          <a:xfrm>
+            <a:off x="4010670" y="2042855"/>
+            <a:ext cx="135512" cy="392084"/>
+          </a:xfrm>
+          <a:prstGeom prst="upDownArrow">
+            <a:avLst/>
+          </a:prstGeom>
+        </p:spPr>
+        <p:style>
+          <a:lnRef idx="1">
+            <a:schemeClr val="accent5"/>
+          </a:lnRef>
+          <a:fillRef idx="3">
+            <a:schemeClr val="accent5"/>
+          </a:fillRef>
+          <a:effectRef idx="2">
+            <a:schemeClr val="accent5"/>
+          </a:effectRef>
+          <a:fontRef idx="minor">
+            <a:schemeClr val="lt1"/>
+          </a:fontRef>
+        </p:style>
+        <p:txBody>
+          <a:bodyPr rtlCol="0" anchor="ctr"/>
+          <a:lstStyle/>
+          <a:p>
+            <a:pPr algn="ctr"/>
+            <a:endParaRPr kumimoji="1" lang="zh-CN" altLang="en-US"/>
+          </a:p>
+        </p:txBody>
+      </p:sp>
+      <p:sp>
+        <p:nvSpPr>
+          <p:cNvPr id="62" name="上下箭头 61"/>
+          <p:cNvSpPr/>
+          <p:nvPr/>
+        </p:nvSpPr>
+        <p:spPr>
+          <a:xfrm>
+            <a:off x="4951432" y="2042855"/>
+            <a:ext cx="135512" cy="392084"/>
+          </a:xfrm>
+          <a:prstGeom prst="upDownArrow">
+            <a:avLst/>
+          </a:prstGeom>
+        </p:spPr>
+        <p:style>
+          <a:lnRef idx="1">
+            <a:schemeClr val="accent5"/>
+          </a:lnRef>
+          <a:fillRef idx="3">
+            <a:schemeClr val="accent5"/>
+          </a:fillRef>
+          <a:effectRef idx="2">
+            <a:schemeClr val="accent5"/>
+          </a:effectRef>
+          <a:fontRef idx="minor">
+            <a:schemeClr val="lt1"/>
+          </a:fontRef>
+        </p:style>
+        <p:txBody>
+          <a:bodyPr rtlCol="0" anchor="ctr"/>
+          <a:lstStyle/>
+          <a:p>
+            <a:pPr algn="ctr"/>
+            <a:endParaRPr kumimoji="1" lang="zh-CN" altLang="en-US"/>
+          </a:p>
+        </p:txBody>
+      </p:sp>
+      <p:sp>
+        <p:nvSpPr>
+          <p:cNvPr id="63" name="上下箭头 62"/>
+          <p:cNvSpPr/>
+          <p:nvPr/>
+        </p:nvSpPr>
+        <p:spPr>
+          <a:xfrm>
+            <a:off x="5852876" y="2057400"/>
+            <a:ext cx="135512" cy="392084"/>
+          </a:xfrm>
+          <a:prstGeom prst="upDownArrow">
+            <a:avLst/>
+          </a:prstGeom>
+        </p:spPr>
+        <p:style>
+          <a:lnRef idx="1">
+            <a:schemeClr val="accent5"/>
+          </a:lnRef>
+          <a:fillRef idx="3">
+            <a:schemeClr val="accent5"/>
+          </a:fillRef>
+          <a:effectRef idx="2">
+            <a:schemeClr val="accent5"/>
+          </a:effectRef>
+          <a:fontRef idx="minor">
+            <a:schemeClr val="lt1"/>
+          </a:fontRef>
+        </p:style>
+        <p:txBody>
+          <a:bodyPr rtlCol="0" anchor="ctr"/>
+          <a:lstStyle/>
+          <a:p>
+            <a:pPr algn="ctr"/>
+            <a:endParaRPr kumimoji="1" lang="zh-CN" altLang="en-US"/>
+          </a:p>
+        </p:txBody>
+      </p:sp>
+      <p:sp>
+        <p:nvSpPr>
+          <p:cNvPr id="64" name="上下箭头 63"/>
+          <p:cNvSpPr/>
+          <p:nvPr/>
+        </p:nvSpPr>
+        <p:spPr>
+          <a:xfrm>
+            <a:off x="6754843" y="2042855"/>
+            <a:ext cx="135512" cy="392084"/>
+          </a:xfrm>
+          <a:prstGeom prst="upDownArrow">
+            <a:avLst/>
+          </a:prstGeom>
+        </p:spPr>
+        <p:style>
+          <a:lnRef idx="1">
+            <a:schemeClr val="accent5"/>
+          </a:lnRef>
+          <a:fillRef idx="3">
+            <a:schemeClr val="accent5"/>
+          </a:fillRef>
+          <a:effectRef idx="2">
+            <a:schemeClr val="accent5"/>
+          </a:effectRef>
+          <a:fontRef idx="minor">
+            <a:schemeClr val="lt1"/>
+          </a:fontRef>
+        </p:style>
+        <p:txBody>
+          <a:bodyPr rtlCol="0" anchor="ctr"/>
+          <a:lstStyle/>
+          <a:p>
+            <a:pPr algn="ctr"/>
+            <a:endParaRPr kumimoji="1" lang="zh-CN" altLang="en-US"/>
+          </a:p>
+        </p:txBody>
+      </p:sp>
+      <p:sp>
+        <p:nvSpPr>
+          <p:cNvPr id="65" name="上下箭头 64"/>
+          <p:cNvSpPr/>
+          <p:nvPr/>
+        </p:nvSpPr>
+        <p:spPr>
+          <a:xfrm>
+            <a:off x="7640864" y="2042855"/>
+            <a:ext cx="135512" cy="392084"/>
+          </a:xfrm>
+          <a:prstGeom prst="upDownArrow">
+            <a:avLst/>
+          </a:prstGeom>
+        </p:spPr>
+        <p:style>
+          <a:lnRef idx="1">
+            <a:schemeClr val="accent5"/>
+          </a:lnRef>
+          <a:fillRef idx="3">
+            <a:schemeClr val="accent5"/>
+          </a:fillRef>
+          <a:effectRef idx="2">
+            <a:schemeClr val="accent5"/>
+          </a:effectRef>
+          <a:fontRef idx="minor">
+            <a:schemeClr val="lt1"/>
+          </a:fontRef>
+        </p:style>
+        <p:txBody>
+          <a:bodyPr rtlCol="0" anchor="ctr"/>
+          <a:lstStyle/>
+          <a:p>
+            <a:pPr algn="ctr"/>
+            <a:endParaRPr kumimoji="1" lang="zh-CN" altLang="en-US"/>
+          </a:p>
+        </p:txBody>
+      </p:sp>
+      <p:sp>
+        <p:nvSpPr>
+          <p:cNvPr id="66" name="上下箭头 65"/>
+          <p:cNvSpPr/>
+          <p:nvPr/>
+        </p:nvSpPr>
+        <p:spPr>
+          <a:xfrm>
+            <a:off x="8603912" y="2042855"/>
+            <a:ext cx="135512" cy="392084"/>
+          </a:xfrm>
+          <a:prstGeom prst="upDownArrow">
+            <a:avLst/>
+          </a:prstGeom>
+        </p:spPr>
+        <p:style>
+          <a:lnRef idx="1">
+            <a:schemeClr val="accent5"/>
+          </a:lnRef>
+          <a:fillRef idx="3">
+            <a:schemeClr val="accent5"/>
+          </a:fillRef>
+          <a:effectRef idx="2">
+            <a:schemeClr val="accent5"/>
+          </a:effectRef>
+          <a:fontRef idx="minor">
+            <a:schemeClr val="lt1"/>
+          </a:fontRef>
+        </p:style>
+        <p:txBody>
+          <a:bodyPr rtlCol="0" anchor="ctr"/>
+          <a:lstStyle/>
+          <a:p>
+            <a:pPr algn="ctr"/>
+            <a:endParaRPr kumimoji="1" lang="zh-CN" altLang="en-US"/>
           </a:p>
         </p:txBody>
       </p:sp>
